--- a/files/big-data-on-aws-presented-by-frils.pptx
+++ b/files/big-data-on-aws-presented-by-frils.pptx
@@ -231,7 +231,7 @@
             <a:pPr algn="r" rtl="0"/>
             <a:fld id="{85FB9A08-40BC-47B5-8130-616BDCF09507}" type="datetime1">
               <a:rPr lang="fr-FR" smtClean="0"/>
-              <a:t>03/01/2021</a:t>
+              <a:t>06/01/2021</a:t>
             </a:fld>
             <a:endParaRPr lang="fr-FR" dirty="0"/>
           </a:p>
@@ -401,7 +401,7 @@
             <a:fld id="{082B9BC8-1895-4EB7-B2E1-D3911C69AD0C}" type="datetime1">
               <a:rPr lang="fr-FR" smtClean="0"/>
               <a:pPr/>
-              <a:t>03/01/2021</a:t>
+              <a:t>06/01/2021</a:t>
             </a:fld>
             <a:endParaRPr lang="fr-FR" dirty="0"/>
           </a:p>
@@ -1044,7 +1044,7 @@
             <a:fld id="{B0AE1499-D871-4B5A-815F-37F8E0C46F8C}" type="datetime1">
               <a:rPr lang="fr-FR" smtClean="0"/>
               <a:pPr/>
-              <a:t>03/01/2021</a:t>
+              <a:t>06/01/2021</a:t>
             </a:fld>
             <a:endParaRPr lang="fr-FR" dirty="0"/>
           </a:p>
@@ -1236,7 +1236,7 @@
             <a:fld id="{7CFD53AE-A1A9-4971-B817-D6F393C7FE35}" type="datetime1">
               <a:rPr lang="fr-FR" smtClean="0"/>
               <a:pPr/>
-              <a:t>03/01/2021</a:t>
+              <a:t>06/01/2021</a:t>
             </a:fld>
             <a:endParaRPr lang="fr-FR" dirty="0"/>
           </a:p>
@@ -1422,7 +1422,7 @@
             <a:fld id="{B4EA85BC-BD2B-458E-8340-8D31B4F152AE}" type="datetime1">
               <a:rPr lang="fr-FR" smtClean="0"/>
               <a:pPr/>
-              <a:t>03/01/2021</a:t>
+              <a:t>06/01/2021</a:t>
             </a:fld>
             <a:endParaRPr lang="fr-FR" dirty="0"/>
           </a:p>
@@ -1870,7 +1870,7 @@
             <a:fld id="{2C9DB741-A3C2-4C75-A4D1-97F129BE9491}" type="datetime1">
               <a:rPr lang="fr-FR" smtClean="0"/>
               <a:pPr/>
-              <a:t>03/01/2021</a:t>
+              <a:t>06/01/2021</a:t>
             </a:fld>
             <a:endParaRPr lang="fr-FR" dirty="0"/>
           </a:p>
@@ -2322,7 +2322,7 @@
             <a:fld id="{11B59C61-65A8-4FB6-8060-9ACE25B631CB}" type="datetime1">
               <a:rPr lang="fr-FR" noProof="0" smtClean="0"/>
               <a:pPr/>
-              <a:t>03/01/2021</a:t>
+              <a:t>06/01/2021</a:t>
             </a:fld>
             <a:endParaRPr lang="fr-FR" noProof="0" dirty="0"/>
           </a:p>
@@ -2452,7 +2452,7 @@
             <a:fld id="{B19C7B91-9FE1-44A2-8FAA-E998ADCC26EE}" type="datetime1">
               <a:rPr lang="fr-FR" smtClean="0"/>
               <a:pPr/>
-              <a:t>03/01/2021</a:t>
+              <a:t>06/01/2021</a:t>
             </a:fld>
             <a:endParaRPr lang="fr-FR" dirty="0"/>
           </a:p>
@@ -2558,7 +2558,7 @@
             <a:fld id="{24294901-3B67-4101-8D94-E7F6C7A7004D}" type="datetime1">
               <a:rPr lang="fr-FR" smtClean="0"/>
               <a:pPr/>
-              <a:t>03/01/2021</a:t>
+              <a:t>06/01/2021</a:t>
             </a:fld>
             <a:endParaRPr lang="fr-FR" dirty="0"/>
           </a:p>
@@ -2854,7 +2854,7 @@
             <a:fld id="{36311718-BEC8-4DB8-9B0A-52986EABC5C9}" type="datetime1">
               <a:rPr lang="fr-FR" smtClean="0"/>
               <a:pPr/>
-              <a:t>03/01/2021</a:t>
+              <a:t>06/01/2021</a:t>
             </a:fld>
             <a:endParaRPr lang="fr-FR" dirty="0"/>
           </a:p>
@@ -3180,7 +3180,7 @@
             <a:fld id="{E883871E-5D80-4EDF-9E01-94E184402302}" type="datetime1">
               <a:rPr lang="fr-FR" smtClean="0"/>
               <a:pPr/>
-              <a:t>03/01/2021</a:t>
+              <a:t>06/01/2021</a:t>
             </a:fld>
             <a:endParaRPr lang="fr-FR" dirty="0"/>
           </a:p>
@@ -3399,7 +3399,7 @@
             <a:fld id="{A9F01D7A-F2CA-4D89-BC48-D8C829AA64E1}" type="datetime1">
               <a:rPr lang="fr-FR" smtClean="0"/>
               <a:pPr/>
-              <a:t>03/01/2021</a:t>
+              <a:t>06/01/2021</a:t>
             </a:fld>
             <a:endParaRPr lang="fr-FR" dirty="0"/>
           </a:p>
@@ -9449,7 +9449,15 @@
             <a:pPr lvl="1"/>
             <a:r>
               <a:rPr lang="en-US" sz="2000" dirty="0"/>
-              <a:t>Managed IT Services Are Available. ...</a:t>
+              <a:t>Managed </a:t>
+            </a:r>
+            <a:r>
+              <a:rPr lang="en-US" sz="2000"/>
+              <a:t>IT Service. </a:t>
+            </a:r>
+            <a:r>
+              <a:rPr lang="en-US" sz="2000" dirty="0"/>
+              <a:t>...</a:t>
             </a:r>
           </a:p>
           <a:p>
@@ -10419,8 +10427,12 @@
           </a:p>
           <a:p>
             <a:r>
-              <a:rPr lang="fr-FR" dirty="0"/>
-              <a:t>Bellow a </a:t>
+              <a:rPr lang="fr-FR" dirty="0" err="1"/>
+              <a:t>Below</a:t>
+            </a:r>
+            <a:r>
+              <a:rPr lang="fr-FR" dirty="0"/>
+              <a:t> a </a:t>
             </a:r>
             <a:r>
               <a:rPr lang="fr-FR" dirty="0" err="1"/>
@@ -11150,6 +11162,47 @@
               <a:t>Security</a:t>
             </a:r>
           </a:p>
+          <a:p>
+            <a:endParaRPr lang="fr-FR" dirty="0"/>
+          </a:p>
+          <a:p>
+            <a:pPr marL="0" indent="0">
+              <a:buNone/>
+            </a:pPr>
+            <a:r>
+              <a:rPr lang="fr-FR" dirty="0"/>
+              <a:t>PS : </a:t>
+            </a:r>
+            <a:r>
+              <a:rPr lang="fr-FR" dirty="0" err="1"/>
+              <a:t>don’t</a:t>
+            </a:r>
+            <a:r>
+              <a:rPr lang="fr-FR" dirty="0"/>
+              <a:t> </a:t>
+            </a:r>
+            <a:r>
+              <a:rPr lang="fr-FR" dirty="0" err="1"/>
+              <a:t>forget</a:t>
+            </a:r>
+            <a:r>
+              <a:rPr lang="fr-FR" dirty="0"/>
+              <a:t> to have a look at the </a:t>
+            </a:r>
+            <a:r>
+              <a:rPr lang="fr-FR" dirty="0" err="1"/>
+              <a:t>billing</a:t>
+            </a:r>
+            <a:r>
+              <a:rPr lang="fr-FR" dirty="0"/>
+              <a:t> section as </a:t>
+            </a:r>
+            <a:r>
+              <a:rPr lang="fr-FR" dirty="0" err="1"/>
+              <a:t>well</a:t>
+            </a:r>
+            <a:endParaRPr lang="fr-FR" dirty="0"/>
+          </a:p>
         </p:txBody>
       </p:sp>
     </p:spTree>
@@ -11540,6 +11593,109 @@
                       </p:childTnLst>
                     </p:cTn>
                   </p:par>
+                  <p:par>
+                    <p:cTn id="25" fill="hold">
+                      <p:stCondLst>
+                        <p:cond delay="indefinite"/>
+                      </p:stCondLst>
+                      <p:childTnLst>
+                        <p:par>
+                          <p:cTn id="26" fill="hold">
+                            <p:stCondLst>
+                              <p:cond delay="0"/>
+                            </p:stCondLst>
+                            <p:childTnLst>
+                              <p:par>
+                                <p:cTn id="27" presetID="2" presetClass="entr" presetSubtype="4" fill="hold" nodeType="clickEffect">
+                                  <p:stCondLst>
+                                    <p:cond delay="0"/>
+                                  </p:stCondLst>
+                                  <p:childTnLst>
+                                    <p:set>
+                                      <p:cBhvr>
+                                        <p:cTn id="28" dur="1" fill="hold">
+                                          <p:stCondLst>
+                                            <p:cond delay="0"/>
+                                          </p:stCondLst>
+                                        </p:cTn>
+                                        <p:tgtEl>
+                                          <p:spTgt spid="3">
+                                            <p:txEl>
+                                              <p:pRg st="5" end="5"/>
+                                            </p:txEl>
+                                          </p:spTgt>
+                                        </p:tgtEl>
+                                        <p:attrNameLst>
+                                          <p:attrName>style.visibility</p:attrName>
+                                        </p:attrNameLst>
+                                      </p:cBhvr>
+                                      <p:to>
+                                        <p:strVal val="visible"/>
+                                      </p:to>
+                                    </p:set>
+                                    <p:anim calcmode="lin" valueType="num">
+                                      <p:cBhvr additive="base">
+                                        <p:cTn id="29" dur="500" fill="hold"/>
+                                        <p:tgtEl>
+                                          <p:spTgt spid="3">
+                                            <p:txEl>
+                                              <p:pRg st="5" end="5"/>
+                                            </p:txEl>
+                                          </p:spTgt>
+                                        </p:tgtEl>
+                                        <p:attrNameLst>
+                                          <p:attrName>ppt_x</p:attrName>
+                                        </p:attrNameLst>
+                                      </p:cBhvr>
+                                      <p:tavLst>
+                                        <p:tav tm="0">
+                                          <p:val>
+                                            <p:strVal val="#ppt_x"/>
+                                          </p:val>
+                                        </p:tav>
+                                        <p:tav tm="100000">
+                                          <p:val>
+                                            <p:strVal val="#ppt_x"/>
+                                          </p:val>
+                                        </p:tav>
+                                      </p:tavLst>
+                                    </p:anim>
+                                    <p:anim calcmode="lin" valueType="num">
+                                      <p:cBhvr additive="base">
+                                        <p:cTn id="30" dur="500" fill="hold"/>
+                                        <p:tgtEl>
+                                          <p:spTgt spid="3">
+                                            <p:txEl>
+                                              <p:pRg st="5" end="5"/>
+                                            </p:txEl>
+                                          </p:spTgt>
+                                        </p:tgtEl>
+                                        <p:attrNameLst>
+                                          <p:attrName>ppt_y</p:attrName>
+                                        </p:attrNameLst>
+                                      </p:cBhvr>
+                                      <p:tavLst>
+                                        <p:tav tm="0">
+                                          <p:val>
+                                            <p:strVal val="1+#ppt_h/2"/>
+                                          </p:val>
+                                        </p:tav>
+                                        <p:tav tm="100000">
+                                          <p:val>
+                                            <p:strVal val="#ppt_y"/>
+                                          </p:val>
+                                        </p:tav>
+                                      </p:tavLst>
+                                    </p:anim>
+                                  </p:childTnLst>
+                                </p:cTn>
+                              </p:par>
+                            </p:childTnLst>
+                          </p:cTn>
+                        </p:par>
+                      </p:childTnLst>
+                    </p:cTn>
+                  </p:par>
                 </p:childTnLst>
               </p:cTn>
               <p:prevCondLst>
@@ -11680,7 +11836,7 @@
             </a:pPr>
             <a:r>
               <a:rPr lang="en-US" dirty="0"/>
-              <a:t>The link bellow leads to AWS CloudFormation : </a:t>
+              <a:t>The link below leads to AWS CloudFormation : </a:t>
             </a:r>
             <a:r>
               <a:rPr lang="en-US" dirty="0">
@@ -12174,8 +12330,12 @@
           </a:p>
           <a:p>
             <a:r>
-              <a:rPr lang="fr-FR" dirty="0"/>
-              <a:t>Bellow a </a:t>
+              <a:rPr lang="fr-FR" dirty="0" err="1"/>
+              <a:t>Below</a:t>
+            </a:r>
+            <a:r>
+              <a:rPr lang="fr-FR" dirty="0"/>
+              <a:t> a </a:t>
             </a:r>
             <a:r>
               <a:rPr lang="fr-FR" dirty="0" err="1"/>
@@ -12458,8 +12618,12 @@
           </a:p>
           <a:p>
             <a:r>
-              <a:rPr lang="fr-FR" dirty="0"/>
-              <a:t>Bellow a </a:t>
+              <a:rPr lang="fr-FR" dirty="0" err="1"/>
+              <a:t>Below</a:t>
+            </a:r>
+            <a:r>
+              <a:rPr lang="fr-FR" dirty="0"/>
+              <a:t> a </a:t>
             </a:r>
             <a:r>
               <a:rPr lang="fr-FR" dirty="0" err="1"/>
